--- a/Chipmunks 2.0 presentatie.pptx
+++ b/Chipmunks 2.0 presentatie.pptx
@@ -5,7 +5,7 @@
     <p:sldMasterId id="2147483648" r:id="rId1"/>
   </p:sldMasterIdLst>
   <p:notesMasterIdLst>
-    <p:notesMasterId r:id="rId13"/>
+    <p:notesMasterId r:id="rId14"/>
   </p:notesMasterIdLst>
   <p:sldIdLst>
     <p:sldId id="256" r:id="rId2"/>
@@ -16,9 +16,10 @@
     <p:sldId id="261" r:id="rId7"/>
     <p:sldId id="262" r:id="rId8"/>
     <p:sldId id="265" r:id="rId9"/>
-    <p:sldId id="264" r:id="rId10"/>
-    <p:sldId id="263" r:id="rId11"/>
-    <p:sldId id="266" r:id="rId12"/>
+    <p:sldId id="269" r:id="rId10"/>
+    <p:sldId id="270" r:id="rId11"/>
+    <p:sldId id="264" r:id="rId12"/>
+    <p:sldId id="266" r:id="rId13"/>
   </p:sldIdLst>
   <p:sldSz cx="12192000" cy="6858000"/>
   <p:notesSz cx="6858000" cy="9144000"/>
@@ -119,7 +120,7 @@
   </p:defaultTextStyle>
   <p:extLst>
     <p:ext uri="{521415D9-36F7-43E2-AB2F-B90AF26B5E84}">
-      <p14:sectionLst xmlns:p14="http://schemas.microsoft.com/office/powerpoint/2010/main">
+      <p14:sectionLst xmlns:p14="http://schemas.microsoft.com/office/powerpoint/2010/main" xmlns="">
         <p14:section name="Standaardsectie" id="{5047AF8A-CE4F-42F3-92E7-2E6BCB1DD4F0}">
           <p14:sldIdLst>
             <p14:sldId id="256"/>
@@ -226,7 +227,8 @@
           <a:p>
             <a:fld id="{A9774C4D-5664-43F0-A879-44290E46758C}" type="datetimeFigureOut">
               <a:rPr lang="en-US" smtClean="0"/>
-              <a:t>11/10/2016</a:t>
+              <a:pPr/>
+              <a:t>11/17/2016</a:t>
             </a:fld>
             <a:endParaRPr lang="en-US"/>
           </a:p>
@@ -385,6 +387,7 @@
           <a:p>
             <a:fld id="{8684E13A-80E0-4B4C-902B-39590180DB7F}" type="slidenum">
               <a:rPr lang="en-US" smtClean="0"/>
+              <a:pPr/>
               <a:t>‹nr.›</a:t>
             </a:fld>
             <a:endParaRPr lang="en-US"/>
@@ -394,7 +397,7 @@
     </p:spTree>
     <p:extLst>
       <p:ext uri="{BB962C8B-B14F-4D97-AF65-F5344CB8AC3E}">
-        <p14:creationId xmlns:p14="http://schemas.microsoft.com/office/powerpoint/2010/main" val="3517278067"/>
+        <p14:creationId xmlns:p14="http://schemas.microsoft.com/office/powerpoint/2010/main" xmlns="" val="3517278067"/>
       </p:ext>
     </p:extLst>
   </p:cSld>
@@ -625,7 +628,8 @@
           <a:p>
             <a:fld id="{9C0F6D59-24C4-44B6-94ED-340C6EC3C76F}" type="datetimeFigureOut">
               <a:rPr lang="en-US" smtClean="0"/>
-              <a:t>11/10/2016</a:t>
+              <a:pPr/>
+              <a:t>11/17/2016</a:t>
             </a:fld>
             <a:endParaRPr lang="en-US"/>
           </a:p>
@@ -667,6 +671,7 @@
           <a:p>
             <a:fld id="{3CEAF9F9-3263-40FF-98B1-6EC7B23C892B}" type="slidenum">
               <a:rPr lang="en-US" smtClean="0"/>
+              <a:pPr/>
               <a:t>‹nr.›</a:t>
             </a:fld>
             <a:endParaRPr lang="en-US"/>
@@ -676,7 +681,7 @@
     </p:spTree>
     <p:extLst>
       <p:ext uri="{BB962C8B-B14F-4D97-AF65-F5344CB8AC3E}">
-        <p14:creationId xmlns:p14="http://schemas.microsoft.com/office/powerpoint/2010/main" val="2536746906"/>
+        <p14:creationId xmlns:p14="http://schemas.microsoft.com/office/powerpoint/2010/main" xmlns="" val="2536746906"/>
       </p:ext>
     </p:extLst>
   </p:cSld>
@@ -795,7 +800,8 @@
           <a:p>
             <a:fld id="{9C0F6D59-24C4-44B6-94ED-340C6EC3C76F}" type="datetimeFigureOut">
               <a:rPr lang="en-US" smtClean="0"/>
-              <a:t>11/10/2016</a:t>
+              <a:pPr/>
+              <a:t>11/17/2016</a:t>
             </a:fld>
             <a:endParaRPr lang="en-US"/>
           </a:p>
@@ -837,6 +843,7 @@
           <a:p>
             <a:fld id="{3CEAF9F9-3263-40FF-98B1-6EC7B23C892B}" type="slidenum">
               <a:rPr lang="en-US" smtClean="0"/>
+              <a:pPr/>
               <a:t>‹nr.›</a:t>
             </a:fld>
             <a:endParaRPr lang="en-US"/>
@@ -846,7 +853,7 @@
     </p:spTree>
     <p:extLst>
       <p:ext uri="{BB962C8B-B14F-4D97-AF65-F5344CB8AC3E}">
-        <p14:creationId xmlns:p14="http://schemas.microsoft.com/office/powerpoint/2010/main" val="18173776"/>
+        <p14:creationId xmlns:p14="http://schemas.microsoft.com/office/powerpoint/2010/main" xmlns="" val="18173776"/>
       </p:ext>
     </p:extLst>
   </p:cSld>
@@ -975,7 +982,8 @@
           <a:p>
             <a:fld id="{9C0F6D59-24C4-44B6-94ED-340C6EC3C76F}" type="datetimeFigureOut">
               <a:rPr lang="en-US" smtClean="0"/>
-              <a:t>11/10/2016</a:t>
+              <a:pPr/>
+              <a:t>11/17/2016</a:t>
             </a:fld>
             <a:endParaRPr lang="en-US"/>
           </a:p>
@@ -1017,6 +1025,7 @@
           <a:p>
             <a:fld id="{3CEAF9F9-3263-40FF-98B1-6EC7B23C892B}" type="slidenum">
               <a:rPr lang="en-US" smtClean="0"/>
+              <a:pPr/>
               <a:t>‹nr.›</a:t>
             </a:fld>
             <a:endParaRPr lang="en-US"/>
@@ -1026,7 +1035,7 @@
     </p:spTree>
     <p:extLst>
       <p:ext uri="{BB962C8B-B14F-4D97-AF65-F5344CB8AC3E}">
-        <p14:creationId xmlns:p14="http://schemas.microsoft.com/office/powerpoint/2010/main" val="1815425265"/>
+        <p14:creationId xmlns:p14="http://schemas.microsoft.com/office/powerpoint/2010/main" xmlns="" val="1815425265"/>
       </p:ext>
     </p:extLst>
   </p:cSld>
@@ -1145,7 +1154,8 @@
           <a:p>
             <a:fld id="{9C0F6D59-24C4-44B6-94ED-340C6EC3C76F}" type="datetimeFigureOut">
               <a:rPr lang="en-US" smtClean="0"/>
-              <a:t>11/10/2016</a:t>
+              <a:pPr/>
+              <a:t>11/17/2016</a:t>
             </a:fld>
             <a:endParaRPr lang="en-US"/>
           </a:p>
@@ -1187,6 +1197,7 @@
           <a:p>
             <a:fld id="{3CEAF9F9-3263-40FF-98B1-6EC7B23C892B}" type="slidenum">
               <a:rPr lang="en-US" smtClean="0"/>
+              <a:pPr/>
               <a:t>‹nr.›</a:t>
             </a:fld>
             <a:endParaRPr lang="en-US"/>
@@ -1196,7 +1207,7 @@
     </p:spTree>
     <p:extLst>
       <p:ext uri="{BB962C8B-B14F-4D97-AF65-F5344CB8AC3E}">
-        <p14:creationId xmlns:p14="http://schemas.microsoft.com/office/powerpoint/2010/main" val="1220544801"/>
+        <p14:creationId xmlns:p14="http://schemas.microsoft.com/office/powerpoint/2010/main" xmlns="" val="1220544801"/>
       </p:ext>
     </p:extLst>
   </p:cSld>
@@ -1391,7 +1402,8 @@
           <a:p>
             <a:fld id="{9C0F6D59-24C4-44B6-94ED-340C6EC3C76F}" type="datetimeFigureOut">
               <a:rPr lang="en-US" smtClean="0"/>
-              <a:t>11/10/2016</a:t>
+              <a:pPr/>
+              <a:t>11/17/2016</a:t>
             </a:fld>
             <a:endParaRPr lang="en-US"/>
           </a:p>
@@ -1433,6 +1445,7 @@
           <a:p>
             <a:fld id="{3CEAF9F9-3263-40FF-98B1-6EC7B23C892B}" type="slidenum">
               <a:rPr lang="en-US" smtClean="0"/>
+              <a:pPr/>
               <a:t>‹nr.›</a:t>
             </a:fld>
             <a:endParaRPr lang="en-US"/>
@@ -1442,7 +1455,7 @@
     </p:spTree>
     <p:extLst>
       <p:ext uri="{BB962C8B-B14F-4D97-AF65-F5344CB8AC3E}">
-        <p14:creationId xmlns:p14="http://schemas.microsoft.com/office/powerpoint/2010/main" val="2558458206"/>
+        <p14:creationId xmlns:p14="http://schemas.microsoft.com/office/powerpoint/2010/main" xmlns="" val="2558458206"/>
       </p:ext>
     </p:extLst>
   </p:cSld>
@@ -1623,7 +1636,8 @@
           <a:p>
             <a:fld id="{9C0F6D59-24C4-44B6-94ED-340C6EC3C76F}" type="datetimeFigureOut">
               <a:rPr lang="en-US" smtClean="0"/>
-              <a:t>11/10/2016</a:t>
+              <a:pPr/>
+              <a:t>11/17/2016</a:t>
             </a:fld>
             <a:endParaRPr lang="en-US"/>
           </a:p>
@@ -1665,6 +1679,7 @@
           <a:p>
             <a:fld id="{3CEAF9F9-3263-40FF-98B1-6EC7B23C892B}" type="slidenum">
               <a:rPr lang="en-US" smtClean="0"/>
+              <a:pPr/>
               <a:t>‹nr.›</a:t>
             </a:fld>
             <a:endParaRPr lang="en-US"/>
@@ -1674,7 +1689,7 @@
     </p:spTree>
     <p:extLst>
       <p:ext uri="{BB962C8B-B14F-4D97-AF65-F5344CB8AC3E}">
-        <p14:creationId xmlns:p14="http://schemas.microsoft.com/office/powerpoint/2010/main" val="179893456"/>
+        <p14:creationId xmlns:p14="http://schemas.microsoft.com/office/powerpoint/2010/main" xmlns="" val="179893456"/>
       </p:ext>
     </p:extLst>
   </p:cSld>
@@ -1990,7 +2005,8 @@
           <a:p>
             <a:fld id="{9C0F6D59-24C4-44B6-94ED-340C6EC3C76F}" type="datetimeFigureOut">
               <a:rPr lang="en-US" smtClean="0"/>
-              <a:t>11/10/2016</a:t>
+              <a:pPr/>
+              <a:t>11/17/2016</a:t>
             </a:fld>
             <a:endParaRPr lang="en-US"/>
           </a:p>
@@ -2032,6 +2048,7 @@
           <a:p>
             <a:fld id="{3CEAF9F9-3263-40FF-98B1-6EC7B23C892B}" type="slidenum">
               <a:rPr lang="en-US" smtClean="0"/>
+              <a:pPr/>
               <a:t>‹nr.›</a:t>
             </a:fld>
             <a:endParaRPr lang="en-US"/>
@@ -2041,7 +2058,7 @@
     </p:spTree>
     <p:extLst>
       <p:ext uri="{BB962C8B-B14F-4D97-AF65-F5344CB8AC3E}">
-        <p14:creationId xmlns:p14="http://schemas.microsoft.com/office/powerpoint/2010/main" val="2567373544"/>
+        <p14:creationId xmlns:p14="http://schemas.microsoft.com/office/powerpoint/2010/main" xmlns="" val="2567373544"/>
       </p:ext>
     </p:extLst>
   </p:cSld>
@@ -2108,7 +2125,8 @@
           <a:p>
             <a:fld id="{9C0F6D59-24C4-44B6-94ED-340C6EC3C76F}" type="datetimeFigureOut">
               <a:rPr lang="en-US" smtClean="0"/>
-              <a:t>11/10/2016</a:t>
+              <a:pPr/>
+              <a:t>11/17/2016</a:t>
             </a:fld>
             <a:endParaRPr lang="en-US"/>
           </a:p>
@@ -2150,6 +2168,7 @@
           <a:p>
             <a:fld id="{3CEAF9F9-3263-40FF-98B1-6EC7B23C892B}" type="slidenum">
               <a:rPr lang="en-US" smtClean="0"/>
+              <a:pPr/>
               <a:t>‹nr.›</a:t>
             </a:fld>
             <a:endParaRPr lang="en-US"/>
@@ -2159,7 +2178,7 @@
     </p:spTree>
     <p:extLst>
       <p:ext uri="{BB962C8B-B14F-4D97-AF65-F5344CB8AC3E}">
-        <p14:creationId xmlns:p14="http://schemas.microsoft.com/office/powerpoint/2010/main" val="3881410153"/>
+        <p14:creationId xmlns:p14="http://schemas.microsoft.com/office/powerpoint/2010/main" xmlns="" val="3881410153"/>
       </p:ext>
     </p:extLst>
   </p:cSld>
@@ -2203,7 +2222,8 @@
           <a:p>
             <a:fld id="{9C0F6D59-24C4-44B6-94ED-340C6EC3C76F}" type="datetimeFigureOut">
               <a:rPr lang="en-US" smtClean="0"/>
-              <a:t>11/10/2016</a:t>
+              <a:pPr/>
+              <a:t>11/17/2016</a:t>
             </a:fld>
             <a:endParaRPr lang="en-US"/>
           </a:p>
@@ -2245,6 +2265,7 @@
           <a:p>
             <a:fld id="{3CEAF9F9-3263-40FF-98B1-6EC7B23C892B}" type="slidenum">
               <a:rPr lang="en-US" smtClean="0"/>
+              <a:pPr/>
               <a:t>‹nr.›</a:t>
             </a:fld>
             <a:endParaRPr lang="en-US"/>
@@ -2254,7 +2275,7 @@
     </p:spTree>
     <p:extLst>
       <p:ext uri="{BB962C8B-B14F-4D97-AF65-F5344CB8AC3E}">
-        <p14:creationId xmlns:p14="http://schemas.microsoft.com/office/powerpoint/2010/main" val="4190383212"/>
+        <p14:creationId xmlns:p14="http://schemas.microsoft.com/office/powerpoint/2010/main" xmlns="" val="4190383212"/>
       </p:ext>
     </p:extLst>
   </p:cSld>
@@ -2480,7 +2501,8 @@
           <a:p>
             <a:fld id="{9C0F6D59-24C4-44B6-94ED-340C6EC3C76F}" type="datetimeFigureOut">
               <a:rPr lang="en-US" smtClean="0"/>
-              <a:t>11/10/2016</a:t>
+              <a:pPr/>
+              <a:t>11/17/2016</a:t>
             </a:fld>
             <a:endParaRPr lang="en-US"/>
           </a:p>
@@ -2522,6 +2544,7 @@
           <a:p>
             <a:fld id="{3CEAF9F9-3263-40FF-98B1-6EC7B23C892B}" type="slidenum">
               <a:rPr lang="en-US" smtClean="0"/>
+              <a:pPr/>
               <a:t>‹nr.›</a:t>
             </a:fld>
             <a:endParaRPr lang="en-US"/>
@@ -2531,7 +2554,7 @@
     </p:spTree>
     <p:extLst>
       <p:ext uri="{BB962C8B-B14F-4D97-AF65-F5344CB8AC3E}">
-        <p14:creationId xmlns:p14="http://schemas.microsoft.com/office/powerpoint/2010/main" val="3455880105"/>
+        <p14:creationId xmlns:p14="http://schemas.microsoft.com/office/powerpoint/2010/main" xmlns="" val="3455880105"/>
       </p:ext>
     </p:extLst>
   </p:cSld>
@@ -2733,7 +2756,8 @@
           <a:p>
             <a:fld id="{9C0F6D59-24C4-44B6-94ED-340C6EC3C76F}" type="datetimeFigureOut">
               <a:rPr lang="en-US" smtClean="0"/>
-              <a:t>11/10/2016</a:t>
+              <a:pPr/>
+              <a:t>11/17/2016</a:t>
             </a:fld>
             <a:endParaRPr lang="en-US"/>
           </a:p>
@@ -2775,6 +2799,7 @@
           <a:p>
             <a:fld id="{3CEAF9F9-3263-40FF-98B1-6EC7B23C892B}" type="slidenum">
               <a:rPr lang="en-US" smtClean="0"/>
+              <a:pPr/>
               <a:t>‹nr.›</a:t>
             </a:fld>
             <a:endParaRPr lang="en-US"/>
@@ -2784,7 +2809,7 @@
     </p:spTree>
     <p:extLst>
       <p:ext uri="{BB962C8B-B14F-4D97-AF65-F5344CB8AC3E}">
-        <p14:creationId xmlns:p14="http://schemas.microsoft.com/office/powerpoint/2010/main" val="769980106"/>
+        <p14:creationId xmlns:p14="http://schemas.microsoft.com/office/powerpoint/2010/main" xmlns="" val="769980106"/>
       </p:ext>
     </p:extLst>
   </p:cSld>
@@ -2946,7 +2971,8 @@
           <a:p>
             <a:fld id="{9C0F6D59-24C4-44B6-94ED-340C6EC3C76F}" type="datetimeFigureOut">
               <a:rPr lang="en-US" smtClean="0"/>
-              <a:t>11/10/2016</a:t>
+              <a:pPr/>
+              <a:t>11/17/2016</a:t>
             </a:fld>
             <a:endParaRPr lang="en-US"/>
           </a:p>
@@ -3024,6 +3050,7 @@
           <a:p>
             <a:fld id="{3CEAF9F9-3263-40FF-98B1-6EC7B23C892B}" type="slidenum">
               <a:rPr lang="en-US" smtClean="0"/>
+              <a:pPr/>
               <a:t>‹nr.›</a:t>
             </a:fld>
             <a:endParaRPr lang="en-US"/>
@@ -3033,7 +3060,7 @@
     </p:spTree>
     <p:extLst>
       <p:ext uri="{BB962C8B-B14F-4D97-AF65-F5344CB8AC3E}">
-        <p14:creationId xmlns:p14="http://schemas.microsoft.com/office/powerpoint/2010/main" val="3520771535"/>
+        <p14:creationId xmlns:p14="http://schemas.microsoft.com/office/powerpoint/2010/main" xmlns="" val="3520771535"/>
       </p:ext>
     </p:extLst>
   </p:cSld>
@@ -3398,10 +3425,10 @@
           <p:nvPr/>
         </p:nvPicPr>
         <p:blipFill>
-          <a:blip r:embed="rId2">
+          <a:blip r:embed="rId2" cstate="print">
             <a:extLst>
               <a:ext uri="{28A0092B-C50C-407E-A947-70E740481C1C}">
-                <a14:useLocalDpi xmlns:a14="http://schemas.microsoft.com/office/drawing/2010/main" val="0"/>
+                <a14:useLocalDpi xmlns:a14="http://schemas.microsoft.com/office/drawing/2010/main" xmlns="" val="0"/>
               </a:ext>
             </a:extLst>
           </a:blip>
@@ -3428,10 +3455,10 @@
           <p:nvPr/>
         </p:nvPicPr>
         <p:blipFill>
-          <a:blip r:embed="rId3">
+          <a:blip r:embed="rId3" cstate="print">
             <a:extLst>
               <a:ext uri="{28A0092B-C50C-407E-A947-70E740481C1C}">
-                <a14:useLocalDpi xmlns:a14="http://schemas.microsoft.com/office/drawing/2010/main" val="0"/>
+                <a14:useLocalDpi xmlns:a14="http://schemas.microsoft.com/office/drawing/2010/main" xmlns="" val="0"/>
               </a:ext>
             </a:extLst>
           </a:blip>
@@ -3458,10 +3485,10 @@
           <p:nvPr/>
         </p:nvPicPr>
         <p:blipFill>
-          <a:blip r:embed="rId4">
+          <a:blip r:embed="rId4" cstate="print">
             <a:extLst>
               <a:ext uri="{28A0092B-C50C-407E-A947-70E740481C1C}">
-                <a14:useLocalDpi xmlns:a14="http://schemas.microsoft.com/office/drawing/2010/main" val="0"/>
+                <a14:useLocalDpi xmlns:a14="http://schemas.microsoft.com/office/drawing/2010/main" xmlns="" val="0"/>
               </a:ext>
             </a:extLst>
           </a:blip>
@@ -3488,10 +3515,10 @@
           <p:nvPr/>
         </p:nvPicPr>
         <p:blipFill>
-          <a:blip r:embed="rId5">
+          <a:blip r:embed="rId5" cstate="print">
             <a:extLst>
               <a:ext uri="{28A0092B-C50C-407E-A947-70E740481C1C}">
-                <a14:useLocalDpi xmlns:a14="http://schemas.microsoft.com/office/drawing/2010/main" val="0"/>
+                <a14:useLocalDpi xmlns:a14="http://schemas.microsoft.com/office/drawing/2010/main" xmlns="" val="0"/>
               </a:ext>
             </a:extLst>
           </a:blip>
@@ -3512,7 +3539,7 @@
     </p:spTree>
     <p:extLst>
       <p:ext uri="{BB962C8B-B14F-4D97-AF65-F5344CB8AC3E}">
-        <p14:creationId xmlns:p14="http://schemas.microsoft.com/office/powerpoint/2010/main" val="2164346926"/>
+        <p14:creationId xmlns:p14="http://schemas.microsoft.com/office/powerpoint/2010/main" xmlns="" val="2164346926"/>
       </p:ext>
     </p:extLst>
   </p:cSld>
@@ -3551,57 +3578,221 @@
         </p:nvSpPr>
         <p:spPr/>
         <p:txBody>
-          <a:bodyPr/>
-          <a:lstStyle/>
-          <a:p>
-            <a:pPr algn="ctr"/>
-            <a:r>
-              <a:rPr lang="en-US" b="1" dirty="0" err="1"/>
-              <a:t>Representatie</a:t>
-            </a:r>
-            <a:endParaRPr lang="en-US" b="1" dirty="0"/>
-          </a:p>
-        </p:txBody>
-      </p:sp>
-      <p:pic>
-        <p:nvPicPr>
-          <p:cNvPr id="4" name="Tijdelijke aanduiding voor inhoud 3"/>
-          <p:cNvPicPr>
-            <a:picLocks noGrp="1" noChangeAspect="1"/>
-          </p:cNvPicPr>
+          <a:bodyPr>
+            <a:normAutofit/>
+          </a:bodyPr>
+          <a:lstStyle/>
+          <a:p>
+            <a:r>
+              <a:rPr lang="en-US" sz="5400" b="1" dirty="0" smtClean="0">
+                <a:solidFill>
+                  <a:schemeClr val="accent2"/>
+                </a:solidFill>
+              </a:rPr>
+              <a:t>A-star </a:t>
+            </a:r>
+            <a:r>
+              <a:rPr lang="en-US" sz="5400" b="1" dirty="0" err="1" smtClean="0">
+                <a:solidFill>
+                  <a:schemeClr val="accent2"/>
+                </a:solidFill>
+              </a:rPr>
+              <a:t>algoritme</a:t>
+            </a:r>
+            <a:endParaRPr lang="en-US" sz="5400" b="1" dirty="0">
+              <a:solidFill>
+                <a:schemeClr val="accent2"/>
+              </a:solidFill>
+            </a:endParaRPr>
+          </a:p>
+        </p:txBody>
+      </p:sp>
+      <p:sp>
+        <p:nvSpPr>
+          <p:cNvPr id="7" name="Tijdelijke aanduiding voor inhoud 2"/>
+          <p:cNvSpPr>
+            <a:spLocks noGrp="1"/>
+          </p:cNvSpPr>
           <p:nvPr>
             <p:ph idx="1"/>
           </p:nvPr>
-        </p:nvPicPr>
-        <p:blipFill>
-          <a:blip r:embed="rId2">
-            <a:extLst>
-              <a:ext uri="{28A0092B-C50C-407E-A947-70E740481C1C}">
-                <a14:useLocalDpi xmlns:a14="http://schemas.microsoft.com/office/drawing/2010/main" val="0"/>
-              </a:ext>
-            </a:extLst>
-          </a:blip>
-          <a:stretch>
-            <a:fillRect/>
-          </a:stretch>
-        </p:blipFill>
+        </p:nvSpPr>
         <p:spPr>
           <a:xfrm>
-            <a:off x="838200" y="1863832"/>
-            <a:ext cx="10996460" cy="4521728"/>
+            <a:off x="838200" y="1825625"/>
+            <a:ext cx="10515600" cy="4351338"/>
           </a:xfrm>
         </p:spPr>
-      </p:pic>
+        <p:txBody>
+          <a:bodyPr>
+            <a:normAutofit lnSpcReduction="10000"/>
+          </a:bodyPr>
+          <a:lstStyle/>
+          <a:p>
+            <a:r>
+              <a:rPr lang="en-US" sz="3200" dirty="0" smtClean="0"/>
+              <a:t>Start met </a:t>
+            </a:r>
+            <a:r>
+              <a:rPr lang="en-US" sz="3200" dirty="0" err="1" smtClean="0"/>
+              <a:t>klein</a:t>
+            </a:r>
+            <a:r>
+              <a:rPr lang="en-US" sz="3200" dirty="0" smtClean="0"/>
+              <a:t> </a:t>
+            </a:r>
+            <a:r>
+              <a:rPr lang="en-US" sz="3200" dirty="0" err="1" smtClean="0"/>
+              <a:t>bord</a:t>
+            </a:r>
+            <a:r>
+              <a:rPr lang="en-US" sz="3200" dirty="0" smtClean="0"/>
+              <a:t>, 3 </a:t>
+            </a:r>
+            <a:r>
+              <a:rPr lang="en-US" sz="3200" dirty="0" err="1" smtClean="0"/>
+              <a:t>punten</a:t>
+            </a:r>
+            <a:endParaRPr lang="en-US" sz="3200" baseline="30000" dirty="0" smtClean="0"/>
+          </a:p>
+          <a:p>
+            <a:pPr>
+              <a:buNone/>
+            </a:pPr>
+            <a:r>
+              <a:rPr lang="en-US" sz="3200" dirty="0" smtClean="0"/>
+              <a:t>	</a:t>
+            </a:r>
+            <a:r>
+              <a:rPr lang="en-US" sz="3200" dirty="0" err="1" smtClean="0"/>
+              <a:t>Werken</a:t>
+            </a:r>
+            <a:r>
+              <a:rPr lang="en-US" sz="3200" dirty="0" smtClean="0"/>
+              <a:t> in XY-</a:t>
+            </a:r>
+            <a:r>
+              <a:rPr lang="en-US" sz="3200" dirty="0" err="1" smtClean="0"/>
+              <a:t>vlak</a:t>
+            </a:r>
+            <a:endParaRPr lang="en-US" sz="3200" dirty="0" smtClean="0"/>
+          </a:p>
+          <a:p>
+            <a:pPr>
+              <a:buNone/>
+            </a:pPr>
+            <a:r>
+              <a:rPr lang="en-US" sz="3200" dirty="0" smtClean="0"/>
+              <a:t>	</a:t>
+            </a:r>
+            <a:r>
+              <a:rPr lang="en-US" sz="3200" dirty="0" err="1" smtClean="0"/>
+              <a:t>Gelegde</a:t>
+            </a:r>
+            <a:r>
+              <a:rPr lang="en-US" sz="3200" dirty="0" smtClean="0"/>
+              <a:t> </a:t>
+            </a:r>
+            <a:r>
+              <a:rPr lang="en-US" sz="3200" dirty="0" err="1" smtClean="0"/>
+              <a:t>paden</a:t>
+            </a:r>
+            <a:r>
+              <a:rPr lang="en-US" sz="3200" dirty="0" smtClean="0"/>
+              <a:t> </a:t>
+            </a:r>
+            <a:r>
+              <a:rPr lang="en-US" sz="3200" dirty="0" err="1" smtClean="0"/>
+              <a:t>vormen</a:t>
+            </a:r>
+            <a:r>
+              <a:rPr lang="en-US" sz="3200" dirty="0" smtClean="0"/>
+              <a:t> </a:t>
+            </a:r>
+            <a:r>
+              <a:rPr lang="en-US" sz="3200" dirty="0" err="1" smtClean="0"/>
+              <a:t>muren</a:t>
+            </a:r>
+            <a:endParaRPr lang="en-US" sz="3200" dirty="0" smtClean="0"/>
+          </a:p>
+          <a:p>
+            <a:pPr>
+              <a:buNone/>
+            </a:pPr>
+            <a:endParaRPr lang="en-US" sz="3200" dirty="0" smtClean="0"/>
+          </a:p>
+          <a:p>
+            <a:r>
+              <a:rPr lang="en-US" sz="3200" dirty="0" err="1" smtClean="0"/>
+              <a:t>Bord</a:t>
+            </a:r>
+            <a:r>
+              <a:rPr lang="en-US" sz="3200" dirty="0" smtClean="0"/>
+              <a:t> </a:t>
+            </a:r>
+            <a:r>
+              <a:rPr lang="en-US" sz="3200" dirty="0" err="1" smtClean="0"/>
+              <a:t>uitbreiden</a:t>
+            </a:r>
+            <a:endParaRPr lang="en-US" sz="3200" dirty="0" smtClean="0"/>
+          </a:p>
+          <a:p>
+            <a:pPr>
+              <a:buNone/>
+            </a:pPr>
+            <a:r>
+              <a:rPr lang="en-US" sz="3200" dirty="0" smtClean="0"/>
+              <a:t>	</a:t>
+            </a:r>
+            <a:r>
+              <a:rPr lang="en-US" sz="3200" dirty="0" smtClean="0"/>
+              <a:t>Z-</a:t>
+            </a:r>
+            <a:r>
+              <a:rPr lang="en-US" sz="3200" dirty="0" err="1" smtClean="0"/>
+              <a:t>richting</a:t>
+            </a:r>
+            <a:r>
+              <a:rPr lang="en-US" sz="3200" dirty="0" smtClean="0"/>
+              <a:t> </a:t>
+            </a:r>
+            <a:r>
+              <a:rPr lang="en-US" sz="3200" dirty="0" err="1" smtClean="0"/>
+              <a:t>toevoegen</a:t>
+            </a:r>
+            <a:endParaRPr lang="en-US" sz="3200" dirty="0" smtClean="0"/>
+          </a:p>
+          <a:p>
+            <a:pPr>
+              <a:buNone/>
+            </a:pPr>
+            <a:endParaRPr lang="en-US" sz="3200" dirty="0" smtClean="0"/>
+          </a:p>
+          <a:p>
+            <a:r>
+              <a:rPr lang="en-US" sz="3200" dirty="0" smtClean="0"/>
+              <a:t>Simulated annealing</a:t>
+            </a:r>
+          </a:p>
+        </p:txBody>
+      </p:sp>
     </p:spTree>
     <p:extLst>
       <p:ext uri="{BB962C8B-B14F-4D97-AF65-F5344CB8AC3E}">
-        <p14:creationId xmlns:p14="http://schemas.microsoft.com/office/powerpoint/2010/main" val="1378281449"/>
+        <p14:creationId xmlns:p14="http://schemas.microsoft.com/office/powerpoint/2010/main" xmlns="" val="3502509321"/>
       </p:ext>
     </p:extLst>
   </p:cSld>
   <p:clrMapOvr>
     <a:masterClrMapping/>
   </p:clrMapOvr>
+  <p:timing>
+    <p:tnLst>
+      <p:par>
+        <p:cTn id="1" dur="indefinite" restart="never" nodeType="tmRoot"/>
+      </p:par>
+    </p:tnLst>
+  </p:timing>
 </p:sld>
 </file>
 
@@ -3634,20 +3825,23 @@
         </p:nvSpPr>
         <p:spPr/>
         <p:txBody>
-          <a:bodyPr>
-            <a:normAutofit/>
-          </a:bodyPr>
+          <a:bodyPr/>
           <a:lstStyle/>
           <a:p>
             <a:pPr algn="ctr"/>
             <a:r>
-              <a:rPr lang="en-US" sz="8000" dirty="0" err="1"/>
-              <a:t>Einde</a:t>
-            </a:r>
-            <a:r>
-              <a:rPr lang="en-US" sz="8000" dirty="0"/>
-              <a:t>!</a:t>
-            </a:r>
+              <a:rPr lang="en-US" b="1" dirty="0" err="1" smtClean="0">
+                <a:solidFill>
+                  <a:schemeClr val="accent6"/>
+                </a:solidFill>
+              </a:rPr>
+              <a:t>Visualisatie</a:t>
+            </a:r>
+            <a:endParaRPr lang="en-US" b="1" dirty="0">
+              <a:solidFill>
+                <a:schemeClr val="accent6"/>
+              </a:solidFill>
+            </a:endParaRPr>
           </a:p>
         </p:txBody>
       </p:sp>
@@ -3663,32 +3857,239 @@
         </p:nvSpPr>
         <p:spPr/>
         <p:txBody>
-          <a:bodyPr>
-            <a:normAutofit/>
-          </a:bodyPr>
-          <a:lstStyle/>
-          <a:p>
-            <a:r>
-              <a:rPr lang="en-US" sz="8000" dirty="0" err="1"/>
-              <a:t>Vragen</a:t>
-            </a:r>
-            <a:r>
-              <a:rPr lang="en-US" sz="8000" dirty="0"/>
-              <a:t>?</a:t>
-            </a:r>
-          </a:p>
-        </p:txBody>
-      </p:sp>
+          <a:bodyPr/>
+          <a:lstStyle/>
+          <a:p>
+            <a:pPr>
+              <a:buNone/>
+            </a:pPr>
+            <a:r>
+              <a:rPr lang="en-US" sz="3600" dirty="0" smtClean="0"/>
+              <a:t>Print </a:t>
+            </a:r>
+            <a:r>
+              <a:rPr lang="en-US" sz="3600" dirty="0" err="1" smtClean="0"/>
+              <a:t>als</a:t>
+            </a:r>
+            <a:r>
+              <a:rPr lang="en-US" sz="3600" dirty="0" smtClean="0"/>
+              <a:t> scatter plot</a:t>
+            </a:r>
+          </a:p>
+          <a:p>
+            <a:pPr>
+              <a:buNone/>
+            </a:pPr>
+            <a:r>
+              <a:rPr lang="en-US" sz="3600" dirty="0" err="1" smtClean="0"/>
+              <a:t>Projectie</a:t>
+            </a:r>
+            <a:r>
+              <a:rPr lang="en-US" sz="3600" dirty="0" smtClean="0"/>
+              <a:t> 3D</a:t>
+            </a:r>
+          </a:p>
+          <a:p>
+            <a:pPr>
+              <a:buNone/>
+            </a:pPr>
+            <a:endParaRPr lang="en-US" sz="3600" dirty="0" smtClean="0"/>
+          </a:p>
+          <a:p>
+            <a:pPr>
+              <a:buNone/>
+            </a:pPr>
+            <a:r>
+              <a:rPr lang="en-US" sz="3600" dirty="0" smtClean="0"/>
+              <a:t>Hover-over labels</a:t>
+            </a:r>
+            <a:endParaRPr lang="en-US" sz="3600" dirty="0" smtClean="0"/>
+          </a:p>
+          <a:p>
+            <a:pPr>
+              <a:buNone/>
+            </a:pPr>
+            <a:endParaRPr lang="en-US" sz="3600" dirty="0" smtClean="0"/>
+          </a:p>
+          <a:p>
+            <a:pPr>
+              <a:buNone/>
+            </a:pPr>
+            <a:r>
+              <a:rPr lang="en-US" sz="3600" dirty="0" smtClean="0"/>
+              <a:t>Paden </a:t>
+            </a:r>
+            <a:r>
+              <a:rPr lang="en-US" sz="3600" dirty="0" err="1" smtClean="0"/>
+              <a:t>tekenen</a:t>
+            </a:r>
+            <a:r>
+              <a:rPr lang="en-US" sz="3600" dirty="0" smtClean="0"/>
+              <a:t> in </a:t>
+            </a:r>
+            <a:r>
+              <a:rPr lang="en-US" sz="3600" dirty="0" err="1" smtClean="0"/>
+              <a:t>kleur</a:t>
+            </a:r>
+            <a:endParaRPr lang="en-US" sz="3600" dirty="0" smtClean="0"/>
+          </a:p>
+          <a:p>
+            <a:endParaRPr lang="en-US" sz="3600" dirty="0"/>
+          </a:p>
+          <a:p>
+            <a:endParaRPr lang="en-US" dirty="0"/>
+          </a:p>
+          <a:p>
+            <a:endParaRPr lang="en-US" dirty="0"/>
+          </a:p>
+          <a:p>
+            <a:endParaRPr lang="en-US" dirty="0"/>
+          </a:p>
+        </p:txBody>
+      </p:sp>
+      <p:pic>
+        <p:nvPicPr>
+          <p:cNvPr id="1026" name="Picture 2"/>
+          <p:cNvPicPr>
+            <a:picLocks noChangeAspect="1" noChangeArrowheads="1"/>
+          </p:cNvPicPr>
+          <p:nvPr/>
+        </p:nvPicPr>
+        <p:blipFill>
+          <a:blip r:embed="rId2" cstate="print"/>
+          <a:srcRect/>
+          <a:stretch>
+            <a:fillRect/>
+          </a:stretch>
+        </p:blipFill>
+        <p:spPr bwMode="auto">
+          <a:xfrm>
+            <a:off x="6195111" y="2055856"/>
+            <a:ext cx="4629150" cy="3619500"/>
+          </a:xfrm>
+          <a:prstGeom prst="rect">
+            <a:avLst/>
+          </a:prstGeom>
+          <a:noFill/>
+          <a:ln w="9525">
+            <a:noFill/>
+            <a:miter lim="800000"/>
+            <a:headEnd/>
+            <a:tailEnd/>
+          </a:ln>
+        </p:spPr>
+      </p:pic>
     </p:spTree>
     <p:extLst>
       <p:ext uri="{BB962C8B-B14F-4D97-AF65-F5344CB8AC3E}">
-        <p14:creationId xmlns:p14="http://schemas.microsoft.com/office/powerpoint/2010/main" val="2605819762"/>
+        <p14:creationId xmlns:p14="http://schemas.microsoft.com/office/powerpoint/2010/main" xmlns="" val="3202456215"/>
       </p:ext>
     </p:extLst>
   </p:cSld>
   <p:clrMapOvr>
     <a:masterClrMapping/>
   </p:clrMapOvr>
+  <p:timing>
+    <p:tnLst>
+      <p:par>
+        <p:cTn id="1" dur="indefinite" restart="never" nodeType="tmRoot"/>
+      </p:par>
+    </p:tnLst>
+  </p:timing>
+</p:sld>
+</file>
+
+<file path=ppt/slides/slide12.xml><?xml version="1.0" encoding="utf-8"?>
+<p:sld xmlns:a="http://schemas.openxmlformats.org/drawingml/2006/main" xmlns:r="http://schemas.openxmlformats.org/officeDocument/2006/relationships" xmlns:p="http://schemas.openxmlformats.org/presentationml/2006/main">
+  <p:cSld>
+    <p:spTree>
+      <p:nvGrpSpPr>
+        <p:cNvPr id="1" name=""/>
+        <p:cNvGrpSpPr/>
+        <p:nvPr/>
+      </p:nvGrpSpPr>
+      <p:grpSpPr>
+        <a:xfrm>
+          <a:off x="0" y="0"/>
+          <a:ext cx="0" cy="0"/>
+          <a:chOff x="0" y="0"/>
+          <a:chExt cx="0" cy="0"/>
+        </a:xfrm>
+      </p:grpSpPr>
+      <p:sp>
+        <p:nvSpPr>
+          <p:cNvPr id="2" name="Titel 1"/>
+          <p:cNvSpPr>
+            <a:spLocks noGrp="1"/>
+          </p:cNvSpPr>
+          <p:nvPr>
+            <p:ph type="title"/>
+          </p:nvPr>
+        </p:nvSpPr>
+        <p:spPr/>
+        <p:txBody>
+          <a:bodyPr>
+            <a:normAutofit/>
+          </a:bodyPr>
+          <a:lstStyle/>
+          <a:p>
+            <a:pPr algn="ctr"/>
+            <a:r>
+              <a:rPr lang="en-US" sz="8000" dirty="0" err="1"/>
+              <a:t>Einde</a:t>
+            </a:r>
+            <a:r>
+              <a:rPr lang="en-US" sz="8000" dirty="0"/>
+              <a:t>!</a:t>
+            </a:r>
+          </a:p>
+        </p:txBody>
+      </p:sp>
+      <p:sp>
+        <p:nvSpPr>
+          <p:cNvPr id="3" name="Tijdelijke aanduiding voor inhoud 2"/>
+          <p:cNvSpPr>
+            <a:spLocks noGrp="1"/>
+          </p:cNvSpPr>
+          <p:nvPr>
+            <p:ph idx="1"/>
+          </p:nvPr>
+        </p:nvSpPr>
+        <p:spPr/>
+        <p:txBody>
+          <a:bodyPr>
+            <a:normAutofit/>
+          </a:bodyPr>
+          <a:lstStyle/>
+          <a:p>
+            <a:r>
+              <a:rPr lang="en-US" sz="8000" dirty="0" err="1"/>
+              <a:t>Vragen</a:t>
+            </a:r>
+            <a:r>
+              <a:rPr lang="en-US" sz="8000" dirty="0"/>
+              <a:t>?</a:t>
+            </a:r>
+          </a:p>
+        </p:txBody>
+      </p:sp>
+    </p:spTree>
+    <p:extLst>
+      <p:ext uri="{BB962C8B-B14F-4D97-AF65-F5344CB8AC3E}">
+        <p14:creationId xmlns:p14="http://schemas.microsoft.com/office/powerpoint/2010/main" xmlns="" val="2605819762"/>
+      </p:ext>
+    </p:extLst>
+  </p:cSld>
+  <p:clrMapOvr>
+    <a:masterClrMapping/>
+  </p:clrMapOvr>
+  <p:timing>
+    <p:tnLst>
+      <p:par>
+        <p:cTn id="1" dur="indefinite" restart="never" nodeType="tmRoot"/>
+      </p:par>
+    </p:tnLst>
+  </p:timing>
 </p:sld>
 </file>
 
@@ -3805,7 +4206,7 @@
     </p:spTree>
     <p:extLst>
       <p:ext uri="{BB962C8B-B14F-4D97-AF65-F5344CB8AC3E}">
-        <p14:creationId xmlns:p14="http://schemas.microsoft.com/office/powerpoint/2010/main" val="3977446564"/>
+        <p14:creationId xmlns:p14="http://schemas.microsoft.com/office/powerpoint/2010/main" xmlns="" val="3977446564"/>
       </p:ext>
     </p:extLst>
   </p:cSld>
@@ -3877,10 +4278,10 @@
           </p:nvPr>
         </p:nvPicPr>
         <p:blipFill>
-          <a:blip r:embed="rId2">
+          <a:blip r:embed="rId2" cstate="print">
             <a:extLst>
               <a:ext uri="{28A0092B-C50C-407E-A947-70E740481C1C}">
-                <a14:useLocalDpi xmlns:a14="http://schemas.microsoft.com/office/drawing/2010/main" val="0"/>
+                <a14:useLocalDpi xmlns:a14="http://schemas.microsoft.com/office/drawing/2010/main" xmlns="" val="0"/>
               </a:ext>
             </a:extLst>
           </a:blip>
@@ -3898,7 +4299,7 @@
     </p:spTree>
     <p:extLst>
       <p:ext uri="{BB962C8B-B14F-4D97-AF65-F5344CB8AC3E}">
-        <p14:creationId xmlns:p14="http://schemas.microsoft.com/office/powerpoint/2010/main" val="375082429"/>
+        <p14:creationId xmlns:p14="http://schemas.microsoft.com/office/powerpoint/2010/main" xmlns="" val="375082429"/>
       </p:ext>
     </p:extLst>
   </p:cSld>
@@ -3977,10 +4378,10 @@
           </p:nvPr>
         </p:nvPicPr>
         <p:blipFill>
-          <a:blip r:embed="rId2">
+          <a:blip r:embed="rId2" cstate="print">
             <a:extLst>
               <a:ext uri="{28A0092B-C50C-407E-A947-70E740481C1C}">
-                <a14:useLocalDpi xmlns:a14="http://schemas.microsoft.com/office/drawing/2010/main" val="0"/>
+                <a14:useLocalDpi xmlns:a14="http://schemas.microsoft.com/office/drawing/2010/main" xmlns="" val="0"/>
               </a:ext>
             </a:extLst>
           </a:blip>
@@ -4004,10 +4405,10 @@
           <p:nvPr/>
         </p:nvPicPr>
         <p:blipFill>
-          <a:blip r:embed="rId3">
+          <a:blip r:embed="rId3" cstate="print">
             <a:extLst>
               <a:ext uri="{28A0092B-C50C-407E-A947-70E740481C1C}">
-                <a14:useLocalDpi xmlns:a14="http://schemas.microsoft.com/office/drawing/2010/main" val="0"/>
+                <a14:useLocalDpi xmlns:a14="http://schemas.microsoft.com/office/drawing/2010/main" xmlns="" val="0"/>
               </a:ext>
             </a:extLst>
           </a:blip>
@@ -4086,7 +4487,7 @@
     </p:spTree>
     <p:extLst>
       <p:ext uri="{BB962C8B-B14F-4D97-AF65-F5344CB8AC3E}">
-        <p14:creationId xmlns:p14="http://schemas.microsoft.com/office/powerpoint/2010/main" val="3165839416"/>
+        <p14:creationId xmlns:p14="http://schemas.microsoft.com/office/powerpoint/2010/main" xmlns="" val="3165839416"/>
       </p:ext>
     </p:extLst>
   </p:cSld>
@@ -4122,7 +4523,7 @@
           <p:nvPr/>
         </p:nvPicPr>
         <p:blipFill rotWithShape="1">
-          <a:blip r:embed="rId2"/>
+          <a:blip r:embed="rId2" cstate="print"/>
           <a:srcRect r="1" b="2987"/>
           <a:stretch/>
         </p:blipFill>
@@ -4283,7 +4684,7 @@
     </p:spTree>
     <p:extLst>
       <p:ext uri="{BB962C8B-B14F-4D97-AF65-F5344CB8AC3E}">
-        <p14:creationId xmlns:p14="http://schemas.microsoft.com/office/powerpoint/2010/main" val="3151846194"/>
+        <p14:creationId xmlns:p14="http://schemas.microsoft.com/office/powerpoint/2010/main" xmlns="" val="3151846194"/>
       </p:ext>
     </p:extLst>
   </p:cSld>
@@ -4319,7 +4720,7 @@
           <p:nvPr/>
         </p:nvPicPr>
         <p:blipFill rotWithShape="1">
-          <a:blip r:embed="rId2"/>
+          <a:blip r:embed="rId2" cstate="print"/>
           <a:srcRect r="1" b="2987"/>
           <a:stretch/>
         </p:blipFill>
@@ -4358,14 +4759,14 @@
           <a:effectLst/>
           <a:extLst>
             <a:ext uri="{909E8E84-426E-40DD-AFC4-6F175D3DCCD1}">
-              <a14:hiddenFill xmlns:a14="http://schemas.microsoft.com/office/drawing/2010/main">
+              <a14:hiddenFill xmlns:a14="http://schemas.microsoft.com/office/drawing/2010/main" xmlns="">
                 <a:solidFill>
                   <a:schemeClr val="accent1"/>
                 </a:solidFill>
               </a14:hiddenFill>
             </a:ext>
             <a:ext uri="{91240B29-F687-4F45-9708-019B960494DF}">
-              <a14:hiddenLine xmlns:a14="http://schemas.microsoft.com/office/drawing/2010/main" w="9525">
+              <a14:hiddenLine xmlns:a14="http://schemas.microsoft.com/office/drawing/2010/main" xmlns="" w="9525">
                 <a:solidFill>
                   <a:schemeClr val="tx1"/>
                 </a:solidFill>
@@ -4375,7 +4776,7 @@
               </a14:hiddenLine>
             </a:ext>
             <a:ext uri="{AF507438-7753-43E0-B8FC-AC1667EBCBE1}">
-              <a14:hiddenEffects xmlns:a14="http://schemas.microsoft.com/office/drawing/2010/main">
+              <a14:hiddenEffects xmlns:a14="http://schemas.microsoft.com/office/drawing/2010/main" xmlns="">
                 <a:effectLst>
                   <a:outerShdw dist="35921" dir="2700000" algn="ctr" rotWithShape="0">
                     <a:schemeClr val="bg2"/>
@@ -4901,6 +5302,18 @@
                 <a:latin typeface="Arial Unicode MS"/>
               </a:rPr>
               <a:t>!</a:t>
+            </a:r>
+            <a:r>
+              <a:rPr kumimoji="0" lang="en-US" altLang="en-US" sz="3200" b="0" i="0" u="none" strike="noStrike" cap="none" normalizeH="0" baseline="0" dirty="0">
+                <a:ln>
+                  <a:noFill/>
+                </a:ln>
+                <a:solidFill>
+                  <a:srgbClr val="FF0000"/>
+                </a:solidFill>
+                <a:effectLst/>
+              </a:rPr>
+              <a:t/>
             </a:r>
             <a:br>
               <a:rPr kumimoji="0" lang="en-US" altLang="en-US" sz="3200" b="0" i="0" u="none" strike="noStrike" cap="none" normalizeH="0" baseline="0" dirty="0">
@@ -4929,7 +5342,7 @@
     </p:spTree>
     <p:extLst>
       <p:ext uri="{BB962C8B-B14F-4D97-AF65-F5344CB8AC3E}">
-        <p14:creationId xmlns:p14="http://schemas.microsoft.com/office/powerpoint/2010/main" val="3870962915"/>
+        <p14:creationId xmlns:p14="http://schemas.microsoft.com/office/powerpoint/2010/main" xmlns="" val="3870962915"/>
       </p:ext>
     </p:extLst>
   </p:cSld>
@@ -5298,7 +5711,7 @@
     </p:spTree>
     <p:extLst>
       <p:ext uri="{BB962C8B-B14F-4D97-AF65-F5344CB8AC3E}">
-        <p14:creationId xmlns:p14="http://schemas.microsoft.com/office/powerpoint/2010/main" val="58081063"/>
+        <p14:creationId xmlns:p14="http://schemas.microsoft.com/office/powerpoint/2010/main" xmlns="" val="58081063"/>
       </p:ext>
     </p:extLst>
   </p:cSld>
@@ -5344,20 +5757,20 @@
           <a:p>
             <a:pPr algn="ctr"/>
             <a:r>
-              <a:rPr lang="en-US" sz="5400" b="1" dirty="0">
+              <a:rPr lang="en-US" sz="5400" b="1" dirty="0" err="1" smtClean="0">
                 <a:solidFill>
                   <a:schemeClr val="accent2"/>
                 </a:solidFill>
               </a:rPr>
-              <a:t>Wat we nu </a:t>
-            </a:r>
-            <a:r>
-              <a:rPr lang="en-US" sz="5400" b="1" dirty="0" err="1">
+              <a:t>Complexiteit</a:t>
+            </a:r>
+            <a:r>
+              <a:rPr lang="en-US" sz="5400" b="1" dirty="0" smtClean="0">
                 <a:solidFill>
                   <a:schemeClr val="accent2"/>
                 </a:solidFill>
               </a:rPr>
-              <a:t>doen</a:t>
+              <a:t> – 2D</a:t>
             </a:r>
             <a:endParaRPr lang="en-US" sz="5400" b="1" dirty="0">
               <a:solidFill>
@@ -5384,308 +5797,181 @@
           </a:bodyPr>
           <a:lstStyle/>
           <a:p>
-            <a:r>
-              <a:rPr lang="en-US" sz="3200" dirty="0">
-                <a:solidFill>
-                  <a:schemeClr val="accent2">
-                    <a:lumMod val="75000"/>
-                  </a:schemeClr>
-                </a:solidFill>
-              </a:rPr>
-              <a:t>Laura </a:t>
-            </a:r>
-            <a:r>
-              <a:rPr lang="en-US" sz="3200" dirty="0" err="1">
-                <a:solidFill>
-                  <a:schemeClr val="accent2">
-                    <a:lumMod val="75000"/>
-                  </a:schemeClr>
-                </a:solidFill>
-              </a:rPr>
-              <a:t>werkt</a:t>
-            </a:r>
-            <a:r>
-              <a:rPr lang="en-US" sz="3200" dirty="0">
-                <a:solidFill>
-                  <a:schemeClr val="accent2">
-                    <a:lumMod val="75000"/>
-                  </a:schemeClr>
-                </a:solidFill>
-              </a:rPr>
+            <a:pPr>
+              <a:buNone/>
+            </a:pPr>
+            <a:r>
+              <a:rPr lang="en-US" sz="3200" dirty="0" err="1" smtClean="0"/>
+              <a:t>Minimaal</a:t>
+            </a:r>
+            <a:r>
+              <a:rPr lang="en-US" sz="3200" dirty="0" smtClean="0"/>
               <a:t> </a:t>
             </a:r>
             <a:r>
-              <a:rPr lang="en-US" sz="3200" dirty="0" err="1">
-                <a:solidFill>
-                  <a:schemeClr val="accent2">
-                    <a:lumMod val="75000"/>
-                  </a:schemeClr>
-                </a:solidFill>
-              </a:rPr>
-              <a:t>aan</a:t>
-            </a:r>
-            <a:r>
-              <a:rPr lang="en-US" sz="3200" dirty="0">
-                <a:solidFill>
-                  <a:schemeClr val="accent2">
-                    <a:lumMod val="75000"/>
-                  </a:schemeClr>
-                </a:solidFill>
-              </a:rPr>
-              <a:t> </a:t>
-            </a:r>
-            <a:r>
-              <a:rPr lang="en-US" sz="3200" dirty="0" err="1">
-                <a:solidFill>
-                  <a:schemeClr val="accent2">
-                    <a:lumMod val="75000"/>
-                  </a:schemeClr>
-                </a:solidFill>
-              </a:rPr>
-              <a:t>visualizatie</a:t>
-            </a:r>
-            <a:endParaRPr lang="en-US" sz="3200" dirty="0">
-              <a:solidFill>
-                <a:schemeClr val="accent2">
-                  <a:lumMod val="75000"/>
-                </a:schemeClr>
-              </a:solidFill>
-            </a:endParaRPr>
-          </a:p>
-          <a:p>
-            <a:r>
-              <a:rPr lang="en-US" sz="3200" dirty="0" err="1"/>
-              <a:t>Ze</a:t>
-            </a:r>
-            <a:r>
-              <a:rPr lang="en-US" sz="3200" dirty="0"/>
-              <a:t> </a:t>
-            </a:r>
-            <a:r>
-              <a:rPr lang="en-US" sz="3200" dirty="0" err="1"/>
-              <a:t>kijkt</a:t>
-            </a:r>
-            <a:r>
-              <a:rPr lang="en-US" sz="3200" dirty="0"/>
-              <a:t> </a:t>
-            </a:r>
-            <a:r>
-              <a:rPr lang="en-US" sz="3200" dirty="0" err="1"/>
-              <a:t>daarvoor</a:t>
-            </a:r>
-            <a:r>
-              <a:rPr lang="en-US" sz="3200" dirty="0"/>
-              <a:t> </a:t>
-            </a:r>
-            <a:r>
-              <a:rPr lang="en-US" sz="3200" dirty="0" err="1"/>
-              <a:t>naar</a:t>
-            </a:r>
-            <a:r>
-              <a:rPr lang="en-US" sz="3200" dirty="0"/>
-              <a:t> de robot-cleaner-python </a:t>
-            </a:r>
-            <a:r>
-              <a:rPr lang="en-US" sz="3200" dirty="0" err="1"/>
-              <a:t>opdracht</a:t>
-            </a:r>
-            <a:r>
-              <a:rPr lang="en-US" sz="3200" dirty="0"/>
-              <a:t> </a:t>
-            </a:r>
-          </a:p>
-          <a:p>
-            <a:endParaRPr lang="en-US" sz="3200" dirty="0"/>
-          </a:p>
-          <a:p>
-            <a:r>
-              <a:rPr lang="en-US" sz="3200" dirty="0">
-                <a:solidFill>
-                  <a:schemeClr val="accent6"/>
-                </a:solidFill>
-              </a:rPr>
-              <a:t>Guido </a:t>
-            </a:r>
-            <a:r>
-              <a:rPr lang="en-US" sz="3200" dirty="0" err="1">
-                <a:solidFill>
-                  <a:schemeClr val="accent6"/>
-                </a:solidFill>
-              </a:rPr>
-              <a:t>werkt</a:t>
-            </a:r>
-            <a:r>
-              <a:rPr lang="en-US" sz="3200" dirty="0">
-                <a:solidFill>
-                  <a:schemeClr val="accent6"/>
-                </a:solidFill>
-              </a:rPr>
-              <a:t> </a:t>
-            </a:r>
-            <a:r>
-              <a:rPr lang="en-US" sz="3200" dirty="0" err="1">
-                <a:solidFill>
-                  <a:schemeClr val="accent6"/>
-                </a:solidFill>
-              </a:rPr>
-              <a:t>aan</a:t>
-            </a:r>
-            <a:r>
-              <a:rPr lang="en-US" sz="3200" dirty="0">
-                <a:solidFill>
-                  <a:schemeClr val="accent6"/>
-                </a:solidFill>
-              </a:rPr>
-              <a:t> de </a:t>
-            </a:r>
-            <a:r>
-              <a:rPr lang="en-US" sz="3200" dirty="0" err="1">
-                <a:solidFill>
-                  <a:schemeClr val="accent6"/>
-                </a:solidFill>
-              </a:rPr>
-              <a:t>complexiteit</a:t>
-            </a:r>
-            <a:endParaRPr lang="en-US" sz="3200" dirty="0">
-              <a:solidFill>
-                <a:schemeClr val="accent6"/>
-              </a:solidFill>
-            </a:endParaRPr>
-          </a:p>
-          <a:p>
-            <a:r>
-              <a:rPr lang="en-US" sz="3200" dirty="0"/>
-              <a:t>M over N </a:t>
-            </a:r>
-            <a:r>
-              <a:rPr lang="en-US" sz="3200" dirty="0" err="1"/>
-              <a:t>mogelijkheden</a:t>
-            </a:r>
-            <a:r>
-              <a:rPr lang="en-US" sz="3200" dirty="0"/>
-              <a:t> </a:t>
-            </a:r>
-            <a:r>
-              <a:rPr lang="en-US" sz="3200" dirty="0" err="1"/>
-              <a:t>waar</a:t>
-            </a:r>
-            <a:r>
-              <a:rPr lang="en-US" sz="3200" dirty="0"/>
-              <a:t> M </a:t>
-            </a:r>
-            <a:r>
-              <a:rPr lang="en-US" sz="3200" dirty="0" err="1"/>
-              <a:t>horizontale</a:t>
-            </a:r>
-            <a:r>
-              <a:rPr lang="en-US" sz="3200" dirty="0"/>
-              <a:t> </a:t>
-            </a:r>
-            <a:r>
-              <a:rPr lang="en-US" sz="3200" dirty="0" err="1"/>
-              <a:t>en</a:t>
-            </a:r>
-            <a:r>
-              <a:rPr lang="en-US" sz="3200" dirty="0"/>
-              <a:t> N vertical </a:t>
-            </a:r>
-            <a:r>
-              <a:rPr lang="en-US" sz="3200" dirty="0" err="1"/>
-              <a:t>lijntjes</a:t>
-            </a:r>
-            <a:r>
-              <a:rPr lang="en-US" sz="3200" dirty="0"/>
-              <a:t> </a:t>
-            </a:r>
-            <a:r>
-              <a:rPr lang="en-US" sz="3200" dirty="0" err="1"/>
-              <a:t>zijn</a:t>
-            </a:r>
-            <a:endParaRPr lang="en-US" sz="3200" dirty="0"/>
-          </a:p>
-          <a:p>
-            <a:r>
-              <a:rPr lang="en-US" sz="3200" dirty="0" err="1"/>
-              <a:t>Lijntjes</a:t>
-            </a:r>
-            <a:r>
-              <a:rPr lang="en-US" sz="3200" dirty="0"/>
-              <a:t> </a:t>
-            </a:r>
-            <a:r>
-              <a:rPr lang="en-US" sz="3200" dirty="0" err="1"/>
-              <a:t>mogen</a:t>
-            </a:r>
-            <a:r>
-              <a:rPr lang="en-US" sz="3200" dirty="0"/>
-              <a:t> </a:t>
-            </a:r>
-            <a:r>
-              <a:rPr lang="en-US" sz="3200" dirty="0" err="1"/>
-              <a:t>niet</a:t>
-            </a:r>
-            <a:r>
-              <a:rPr lang="en-US" sz="3200" dirty="0"/>
-              <a:t> </a:t>
-            </a:r>
-            <a:r>
-              <a:rPr lang="en-US" sz="3200" dirty="0" err="1"/>
-              <a:t>kruizen</a:t>
-            </a:r>
-            <a:r>
-              <a:rPr lang="en-US" sz="3200" dirty="0"/>
-              <a:t>, </a:t>
-            </a:r>
-            <a:r>
-              <a:rPr lang="en-US" sz="3200" dirty="0" err="1"/>
-              <a:t>dat</a:t>
-            </a:r>
-            <a:r>
-              <a:rPr lang="en-US" sz="3200" dirty="0"/>
-              <a:t> is </a:t>
-            </a:r>
-            <a:r>
-              <a:rPr lang="en-US" sz="3200" dirty="0" err="1"/>
-              <a:t>lastig</a:t>
-            </a:r>
-            <a:r>
-              <a:rPr lang="en-US" sz="3200" dirty="0"/>
-              <a:t> om in </a:t>
-            </a:r>
-            <a:r>
-              <a:rPr lang="en-US" sz="3200" dirty="0" err="1"/>
-              <a:t>wiskunde</a:t>
-            </a:r>
-            <a:r>
-              <a:rPr lang="en-US" sz="3200" dirty="0"/>
-              <a:t> </a:t>
-            </a:r>
-            <a:r>
-              <a:rPr lang="en-US" sz="3200" dirty="0" err="1"/>
-              <a:t>te</a:t>
-            </a:r>
-            <a:r>
-              <a:rPr lang="en-US" sz="3200" dirty="0"/>
-              <a:t> </a:t>
-            </a:r>
-            <a:r>
-              <a:rPr lang="en-US" sz="3200" dirty="0" err="1"/>
-              <a:t>vatten</a:t>
-            </a:r>
-            <a:endParaRPr lang="en-US" sz="3200" dirty="0"/>
+              <a:rPr lang="en-US" sz="3200" dirty="0" err="1" smtClean="0"/>
+              <a:t>padlengte</a:t>
+            </a:r>
+            <a:r>
+              <a:rPr lang="en-US" sz="3200" dirty="0" smtClean="0"/>
+              <a:t>	</a:t>
+            </a:r>
+            <a:r>
+              <a:rPr lang="el-GR" sz="3200" dirty="0" smtClean="0"/>
+              <a:t>Δ</a:t>
+            </a:r>
+            <a:r>
+              <a:rPr lang="nl-NL" sz="3200" dirty="0" smtClean="0"/>
+              <a:t>x + </a:t>
+            </a:r>
+            <a:r>
+              <a:rPr lang="el-GR" sz="3200" dirty="0" smtClean="0"/>
+              <a:t>Δ</a:t>
+            </a:r>
+            <a:r>
+              <a:rPr lang="nl-NL" sz="3200" dirty="0" smtClean="0"/>
+              <a:t>y</a:t>
+            </a:r>
+          </a:p>
+          <a:p>
+            <a:pPr>
+              <a:buNone/>
+            </a:pPr>
+            <a:r>
+              <a:rPr lang="nl-NL" sz="3200" dirty="0" smtClean="0"/>
+              <a:t>Maximaal padlengte	2mn + m + n</a:t>
+            </a:r>
+          </a:p>
+          <a:p>
+            <a:pPr>
+              <a:buNone/>
+            </a:pPr>
+            <a:endParaRPr lang="nl-NL" sz="3200" dirty="0" smtClean="0"/>
+          </a:p>
+          <a:p>
+            <a:pPr>
+              <a:buNone/>
+            </a:pPr>
+            <a:r>
+              <a:rPr lang="en-US" sz="3200" dirty="0" err="1" smtClean="0"/>
+              <a:t>Ondergrens</a:t>
+            </a:r>
+            <a:r>
+              <a:rPr lang="en-US" sz="3200" dirty="0" smtClean="0"/>
+              <a:t>		</a:t>
+            </a:r>
+            <a:r>
+              <a:rPr lang="el-GR" sz="3200" dirty="0" smtClean="0"/>
+              <a:t>Δ</a:t>
+            </a:r>
+            <a:r>
+              <a:rPr lang="nl-NL" sz="3200" dirty="0" smtClean="0"/>
+              <a:t>x + </a:t>
+            </a:r>
+            <a:r>
+              <a:rPr lang="el-GR" sz="3200" dirty="0" smtClean="0"/>
+              <a:t>Δ</a:t>
+            </a:r>
+            <a:r>
+              <a:rPr lang="nl-NL" sz="3200" dirty="0" smtClean="0"/>
+              <a:t>y</a:t>
+            </a:r>
+          </a:p>
+          <a:p>
+            <a:pPr>
+              <a:buNone/>
+            </a:pPr>
+            <a:r>
+              <a:rPr lang="nl-NL" sz="3200" dirty="0" smtClean="0"/>
+              <a:t>					    </a:t>
+            </a:r>
+            <a:r>
+              <a:rPr lang="el-GR" sz="3200" dirty="0" smtClean="0"/>
+              <a:t>Δ</a:t>
+            </a:r>
+            <a:r>
+              <a:rPr lang="nl-NL" sz="3200" dirty="0" smtClean="0"/>
+              <a:t>x</a:t>
+            </a:r>
+            <a:endParaRPr lang="en-US" sz="3200" dirty="0" smtClean="0"/>
+          </a:p>
+          <a:p>
+            <a:pPr>
+              <a:buNone/>
+            </a:pPr>
+            <a:endParaRPr lang="en-US" sz="3200" dirty="0" smtClean="0"/>
+          </a:p>
+          <a:p>
+            <a:pPr>
+              <a:buNone/>
+            </a:pPr>
+            <a:r>
+              <a:rPr lang="en-US" sz="3200" dirty="0" err="1" smtClean="0"/>
+              <a:t>Bovengrens</a:t>
+            </a:r>
+            <a:r>
+              <a:rPr lang="en-US" sz="3200" dirty="0" smtClean="0"/>
+              <a:t>		2</a:t>
+            </a:r>
+            <a:r>
+              <a:rPr lang="en-US" sz="3200" baseline="30000" dirty="0" smtClean="0"/>
+              <a:t>(2mn + m + n</a:t>
+            </a:r>
+            <a:r>
+              <a:rPr lang="en-US" sz="3200" baseline="30000" dirty="0" smtClean="0"/>
+              <a:t>)</a:t>
+            </a:r>
+            <a:endParaRPr lang="en-US" sz="3200" baseline="30000" dirty="0" smtClean="0"/>
+          </a:p>
+        </p:txBody>
+      </p:sp>
+      <p:sp>
+        <p:nvSpPr>
+          <p:cNvPr id="4" name="Tekstvak 3"/>
+          <p:cNvSpPr txBox="1"/>
+          <p:nvPr/>
+        </p:nvSpPr>
+        <p:spPr>
+          <a:xfrm>
+            <a:off x="4053011" y="3328058"/>
+            <a:ext cx="3534032" cy="1323439"/>
+          </a:xfrm>
+          <a:prstGeom prst="rect">
+            <a:avLst/>
+          </a:prstGeom>
+          <a:noFill/>
+        </p:spPr>
+        <p:txBody>
+          <a:bodyPr wrap="square" rtlCol="0">
+            <a:spAutoFit/>
+          </a:bodyPr>
+          <a:lstStyle/>
+          <a:p>
+            <a:r>
+              <a:rPr lang="nl-NL" sz="8000" dirty="0" smtClean="0"/>
+              <a:t>(		)</a:t>
+            </a:r>
+            <a:endParaRPr lang="nl-NL" sz="8000" dirty="0"/>
           </a:p>
         </p:txBody>
       </p:sp>
     </p:spTree>
     <p:extLst>
       <p:ext uri="{BB962C8B-B14F-4D97-AF65-F5344CB8AC3E}">
-        <p14:creationId xmlns:p14="http://schemas.microsoft.com/office/powerpoint/2010/main" val="3502509321"/>
+        <p14:creationId xmlns:p14="http://schemas.microsoft.com/office/powerpoint/2010/main" xmlns="" val="3502509321"/>
       </p:ext>
     </p:extLst>
   </p:cSld>
   <p:clrMapOvr>
     <a:masterClrMapping/>
   </p:clrMapOvr>
+  <p:timing>
+    <p:tnLst>
+      <p:par>
+        <p:cTn id="1" dur="indefinite" restart="never" nodeType="tmRoot"/>
+      </p:par>
+    </p:tnLst>
+  </p:timing>
 </p:sld>
 </file>
 
@@ -5718,145 +6004,126 @@
         </p:nvSpPr>
         <p:spPr/>
         <p:txBody>
-          <a:bodyPr/>
-          <a:lstStyle/>
-          <a:p>
-            <a:pPr algn="ctr"/>
-            <a:r>
-              <a:rPr lang="en-US" b="1" dirty="0" err="1">
+          <a:bodyPr>
+            <a:normAutofit/>
+          </a:bodyPr>
+          <a:lstStyle/>
+          <a:p>
+            <a:r>
+              <a:rPr lang="en-US" sz="5400" b="1" dirty="0" smtClean="0">
                 <a:solidFill>
-                  <a:schemeClr val="accent6"/>
+                  <a:schemeClr val="accent2"/>
                 </a:solidFill>
               </a:rPr>
-              <a:t>Representatie</a:t>
-            </a:r>
-            <a:r>
-              <a:rPr lang="en-US" b="1" dirty="0">
+              <a:t>A-star </a:t>
+            </a:r>
+            <a:r>
+              <a:rPr lang="en-US" sz="5400" b="1" dirty="0" err="1" smtClean="0">
                 <a:solidFill>
-                  <a:schemeClr val="accent6"/>
+                  <a:schemeClr val="accent2"/>
                 </a:solidFill>
               </a:rPr>
-              <a:t> (Floris)</a:t>
-            </a:r>
-          </a:p>
-        </p:txBody>
-      </p:sp>
-      <p:sp>
-        <p:nvSpPr>
-          <p:cNvPr id="3" name="Tijdelijke aanduiding voor inhoud 2"/>
-          <p:cNvSpPr>
-            <a:spLocks noGrp="1"/>
-          </p:cNvSpPr>
-          <p:nvPr>
-            <p:ph idx="1"/>
-          </p:nvPr>
-        </p:nvSpPr>
-        <p:spPr/>
-        <p:txBody>
-          <a:bodyPr/>
-          <a:lstStyle/>
-          <a:p>
-            <a:r>
-              <a:rPr lang="en-US" sz="3600" dirty="0" err="1"/>
-              <a:t>Lijsten</a:t>
-            </a:r>
-            <a:r>
-              <a:rPr lang="en-US" sz="3600" dirty="0"/>
-              <a:t> om matrix </a:t>
-            </a:r>
-            <a:r>
-              <a:rPr lang="en-US" sz="3600" dirty="0" err="1"/>
-              <a:t>te</a:t>
-            </a:r>
-            <a:r>
-              <a:rPr lang="en-US" sz="3600" dirty="0"/>
+              <a:t>algoritme</a:t>
+            </a:r>
+            <a:endParaRPr lang="en-US" sz="5400" b="1" dirty="0">
+              <a:solidFill>
+                <a:schemeClr val="accent2"/>
+              </a:solidFill>
+            </a:endParaRPr>
+          </a:p>
+        </p:txBody>
+      </p:sp>
+      <p:pic>
+        <p:nvPicPr>
+          <p:cNvPr id="6" name="Picture 3"/>
+          <p:cNvPicPr>
+            <a:picLocks noChangeAspect="1" noChangeArrowheads="1"/>
+          </p:cNvPicPr>
+          <p:nvPr/>
+        </p:nvPicPr>
+        <p:blipFill>
+          <a:blip r:embed="rId2" cstate="print"/>
+          <a:srcRect l="107" t="8430" r="62286" b="24744"/>
+          <a:stretch>
+            <a:fillRect/>
+          </a:stretch>
+        </p:blipFill>
+        <p:spPr bwMode="auto">
+          <a:xfrm>
+            <a:off x="5858085" y="818962"/>
+            <a:ext cx="5155904" cy="5153467"/>
+          </a:xfrm>
+          <a:prstGeom prst="rect">
+            <a:avLst/>
+          </a:prstGeom>
+          <a:noFill/>
+          <a:ln w="9525">
+            <a:noFill/>
+            <a:miter lim="800000"/>
+            <a:headEnd/>
+            <a:tailEnd/>
+          </a:ln>
+        </p:spPr>
+      </p:pic>
+      <p:sp>
+        <p:nvSpPr>
+          <p:cNvPr id="8" name="Tekstvak 7"/>
+          <p:cNvSpPr txBox="1"/>
+          <p:nvPr/>
+        </p:nvSpPr>
+        <p:spPr>
+          <a:xfrm>
+            <a:off x="972065" y="1507524"/>
+            <a:ext cx="4572000" cy="369332"/>
+          </a:xfrm>
+          <a:prstGeom prst="rect">
+            <a:avLst/>
+          </a:prstGeom>
+          <a:noFill/>
+        </p:spPr>
+        <p:txBody>
+          <a:bodyPr wrap="square" rtlCol="0">
+            <a:spAutoFit/>
+          </a:bodyPr>
+          <a:lstStyle/>
+          <a:p>
+            <a:r>
+              <a:rPr lang="nl-NL" dirty="0" smtClean="0">
+                <a:hlinkClick r:id="rId3"/>
+              </a:rPr>
+              <a:t>http://</a:t>
+            </a:r>
+            <a:r>
+              <a:rPr lang="nl-NL" dirty="0" smtClean="0">
+                <a:hlinkClick r:id="rId3"/>
+              </a:rPr>
+              <a:t>i.imgur.com/YjfzxXY.gif</a:t>
+            </a:r>
+            <a:r>
+              <a:rPr lang="nl-NL" dirty="0" smtClean="0"/>
               <a:t> </a:t>
             </a:r>
-            <a:r>
-              <a:rPr lang="en-US" sz="3600" dirty="0" err="1"/>
-              <a:t>representeren</a:t>
-            </a:r>
-            <a:endParaRPr lang="en-US" sz="3600" dirty="0"/>
-          </a:p>
-          <a:p>
-            <a:endParaRPr lang="en-US" sz="3600" dirty="0"/>
-          </a:p>
-          <a:p>
-            <a:r>
-              <a:rPr lang="en-US" sz="3600" dirty="0"/>
-              <a:t>3D matrix = [X][Y][Z]</a:t>
-            </a:r>
-          </a:p>
-          <a:p>
-            <a:endParaRPr lang="en-US" sz="3600" dirty="0"/>
-          </a:p>
-          <a:p>
-            <a:r>
-              <a:rPr lang="en-US" sz="3600" dirty="0" err="1"/>
-              <a:t>Ik</a:t>
-            </a:r>
-            <a:r>
-              <a:rPr lang="en-US" sz="3600" dirty="0"/>
-              <a:t> </a:t>
-            </a:r>
-            <a:r>
-              <a:rPr lang="en-US" sz="3600" dirty="0" err="1"/>
-              <a:t>gebruik</a:t>
-            </a:r>
-            <a:r>
-              <a:rPr lang="en-US" sz="3600" dirty="0"/>
-              <a:t> de </a:t>
-            </a:r>
-            <a:r>
-              <a:rPr lang="en-US" sz="3600" dirty="0" err="1">
-                <a:solidFill>
-                  <a:srgbClr val="FF0000"/>
-                </a:solidFill>
-              </a:rPr>
-              <a:t>numpy</a:t>
-            </a:r>
-            <a:r>
-              <a:rPr lang="en-US" sz="3600" dirty="0">
-                <a:solidFill>
-                  <a:srgbClr val="FF0000"/>
-                </a:solidFill>
-              </a:rPr>
-              <a:t> </a:t>
-            </a:r>
-            <a:r>
-              <a:rPr lang="en-US" sz="3600" dirty="0"/>
-              <a:t>module </a:t>
-            </a:r>
-            <a:r>
-              <a:rPr lang="en-US" sz="3600" dirty="0" err="1"/>
-              <a:t>hiervoor</a:t>
-            </a:r>
-            <a:r>
-              <a:rPr lang="en-US" sz="3600" dirty="0"/>
-              <a:t> nu</a:t>
-            </a:r>
-          </a:p>
-          <a:p>
-            <a:endParaRPr lang="en-US" dirty="0"/>
-          </a:p>
-          <a:p>
-            <a:endParaRPr lang="en-US" dirty="0"/>
-          </a:p>
-          <a:p>
-            <a:endParaRPr lang="en-US" dirty="0"/>
+            <a:endParaRPr lang="nl-NL" dirty="0"/>
           </a:p>
         </p:txBody>
       </p:sp>
     </p:spTree>
     <p:extLst>
       <p:ext uri="{BB962C8B-B14F-4D97-AF65-F5344CB8AC3E}">
-        <p14:creationId xmlns:p14="http://schemas.microsoft.com/office/powerpoint/2010/main" val="3202456215"/>
+        <p14:creationId xmlns:p14="http://schemas.microsoft.com/office/powerpoint/2010/main" xmlns="" val="3502509321"/>
       </p:ext>
     </p:extLst>
   </p:cSld>
   <p:clrMapOvr>
     <a:masterClrMapping/>
   </p:clrMapOvr>
+  <p:timing>
+    <p:tnLst>
+      <p:par>
+        <p:cTn id="1" dur="indefinite" restart="never" nodeType="tmRoot"/>
+      </p:par>
+    </p:tnLst>
+  </p:timing>
 </p:sld>
 </file>
 
@@ -5903,7 +6170,7 @@
     </a:clrScheme>
     <a:fontScheme name="Kantoor">
       <a:majorFont>
-        <a:latin typeface="Calibri Light" panose="020F0302020204030204"/>
+        <a:latin typeface="Calibri Light"/>
         <a:ea typeface=""/>
         <a:cs typeface=""/>
         <a:font script="Jpan" typeface="游ゴシック Light"/>
@@ -5955,7 +6222,7 @@
         <a:font script="Tfng" typeface="Ebrima"/>
       </a:majorFont>
       <a:minorFont>
-        <a:latin typeface="Calibri" panose="020F0502020204030204"/>
+        <a:latin typeface="Calibri"/>
         <a:ea typeface=""/>
         <a:cs typeface=""/>
         <a:font script="Jpan" typeface="游ゴシック"/>
@@ -6149,7 +6416,7 @@
   <a:extraClrSchemeLst/>
   <a:extLst>
     <a:ext uri="{05A4C25C-085E-4340-85A3-A5531E510DB2}">
-      <thm15:themeFamily xmlns:thm15="http://schemas.microsoft.com/office/thememl/2012/main" name="Office Theme" id="{62F939B6-93AF-4DB8-9C6B-D6C7DFDC589F}" vid="{4A3C46E8-61CC-4603-A589-7422A47A8E4A}"/>
+      <thm15:themeFamily xmlns:thm15="http://schemas.microsoft.com/office/thememl/2012/main" xmlns="" name="Office Theme" id="{62F939B6-93AF-4DB8-9C6B-D6C7DFDC589F}" vid="{4A3C46E8-61CC-4603-A589-7422A47A8E4A}"/>
     </a:ext>
   </a:extLst>
 </a:theme>
@@ -6198,7 +6465,7 @@
     </a:clrScheme>
     <a:fontScheme name="Kantoor">
       <a:majorFont>
-        <a:latin typeface="Calibri Light" panose="020F0302020204030204"/>
+        <a:latin typeface="Calibri Light"/>
         <a:ea typeface=""/>
         <a:cs typeface=""/>
         <a:font script="Jpan" typeface="游ゴシック Light"/>
@@ -6250,7 +6517,7 @@
         <a:font script="Tfng" typeface="Ebrima"/>
       </a:majorFont>
       <a:minorFont>
-        <a:latin typeface="Calibri" panose="020F0502020204030204"/>
+        <a:latin typeface="Calibri"/>
         <a:ea typeface=""/>
         <a:cs typeface=""/>
         <a:font script="Jpan" typeface="游ゴシック"/>
@@ -6444,7 +6711,7 @@
   <a:extraClrSchemeLst/>
   <a:extLst>
     <a:ext uri="{05A4C25C-085E-4340-85A3-A5531E510DB2}">
-      <thm15:themeFamily xmlns:thm15="http://schemas.microsoft.com/office/thememl/2012/main" name="Office Theme" id="{62F939B6-93AF-4DB8-9C6B-D6C7DFDC589F}" vid="{4A3C46E8-61CC-4603-A589-7422A47A8E4A}"/>
+      <thm15:themeFamily xmlns:thm15="http://schemas.microsoft.com/office/thememl/2012/main" xmlns="" name="Office Theme" id="{62F939B6-93AF-4DB8-9C6B-D6C7DFDC589F}" vid="{4A3C46E8-61CC-4603-A589-7422A47A8E4A}"/>
     </a:ext>
   </a:extLst>
 </a:theme>
